--- a/data-raw/AMRforRGPT.pptx
+++ b/data-raw/AMRforRGPT.pptx
@@ -104,6 +104,11 @@
       </a:defRPr>
     </a:lvl9pPr>
   </p:defaultTextStyle>
+  <p:extLst>
+    <p:ext uri="{EFAFB233-063F-42B5-8137-9DF3F51BA10A}">
+      <p15:sldGuideLst xmlns:p15="http://schemas.microsoft.com/office/powerpoint/2012/main"/>
+    </p:ext>
+  </p:extLst>
 </p:presentation>
 </file>
 
@@ -238,7 +243,7 @@
           <a:p>
             <a:fld id="{6339498C-427D-C242-847C-0FDAE520F637}" type="datetimeFigureOut">
               <a:rPr lang="en-NL" smtClean="0"/>
-              <a:t>02/10/2024</a:t>
+              <a:t>04/10/2024</a:t>
             </a:fld>
             <a:endParaRPr lang="en-NL"/>
           </a:p>
@@ -408,7 +413,7 @@
           <a:p>
             <a:fld id="{6339498C-427D-C242-847C-0FDAE520F637}" type="datetimeFigureOut">
               <a:rPr lang="en-NL" smtClean="0"/>
-              <a:t>02/10/2024</a:t>
+              <a:t>04/10/2024</a:t>
             </a:fld>
             <a:endParaRPr lang="en-NL"/>
           </a:p>
@@ -588,7 +593,7 @@
           <a:p>
             <a:fld id="{6339498C-427D-C242-847C-0FDAE520F637}" type="datetimeFigureOut">
               <a:rPr lang="en-NL" smtClean="0"/>
-              <a:t>02/10/2024</a:t>
+              <a:t>04/10/2024</a:t>
             </a:fld>
             <a:endParaRPr lang="en-NL"/>
           </a:p>
@@ -758,7 +763,7 @@
           <a:p>
             <a:fld id="{6339498C-427D-C242-847C-0FDAE520F637}" type="datetimeFigureOut">
               <a:rPr lang="en-NL" smtClean="0"/>
-              <a:t>02/10/2024</a:t>
+              <a:t>04/10/2024</a:t>
             </a:fld>
             <a:endParaRPr lang="en-NL"/>
           </a:p>
@@ -1004,7 +1009,7 @@
           <a:p>
             <a:fld id="{6339498C-427D-C242-847C-0FDAE520F637}" type="datetimeFigureOut">
               <a:rPr lang="en-NL" smtClean="0"/>
-              <a:t>02/10/2024</a:t>
+              <a:t>04/10/2024</a:t>
             </a:fld>
             <a:endParaRPr lang="en-NL"/>
           </a:p>
@@ -1236,7 +1241,7 @@
           <a:p>
             <a:fld id="{6339498C-427D-C242-847C-0FDAE520F637}" type="datetimeFigureOut">
               <a:rPr lang="en-NL" smtClean="0"/>
-              <a:t>02/10/2024</a:t>
+              <a:t>04/10/2024</a:t>
             </a:fld>
             <a:endParaRPr lang="en-NL"/>
           </a:p>
@@ -1603,7 +1608,7 @@
           <a:p>
             <a:fld id="{6339498C-427D-C242-847C-0FDAE520F637}" type="datetimeFigureOut">
               <a:rPr lang="en-NL" smtClean="0"/>
-              <a:t>02/10/2024</a:t>
+              <a:t>04/10/2024</a:t>
             </a:fld>
             <a:endParaRPr lang="en-NL"/>
           </a:p>
@@ -1721,7 +1726,7 @@
           <a:p>
             <a:fld id="{6339498C-427D-C242-847C-0FDAE520F637}" type="datetimeFigureOut">
               <a:rPr lang="en-NL" smtClean="0"/>
-              <a:t>02/10/2024</a:t>
+              <a:t>04/10/2024</a:t>
             </a:fld>
             <a:endParaRPr lang="en-NL"/>
           </a:p>
@@ -1816,7 +1821,7 @@
           <a:p>
             <a:fld id="{6339498C-427D-C242-847C-0FDAE520F637}" type="datetimeFigureOut">
               <a:rPr lang="en-NL" smtClean="0"/>
-              <a:t>02/10/2024</a:t>
+              <a:t>04/10/2024</a:t>
             </a:fld>
             <a:endParaRPr lang="en-NL"/>
           </a:p>
@@ -2093,7 +2098,7 @@
           <a:p>
             <a:fld id="{6339498C-427D-C242-847C-0FDAE520F637}" type="datetimeFigureOut">
               <a:rPr lang="en-NL" smtClean="0"/>
-              <a:t>02/10/2024</a:t>
+              <a:t>04/10/2024</a:t>
             </a:fld>
             <a:endParaRPr lang="en-NL"/>
           </a:p>
@@ -2350,7 +2355,7 @@
           <a:p>
             <a:fld id="{6339498C-427D-C242-847C-0FDAE520F637}" type="datetimeFigureOut">
               <a:rPr lang="en-NL" smtClean="0"/>
-              <a:t>02/10/2024</a:t>
+              <a:t>04/10/2024</a:t>
             </a:fld>
             <a:endParaRPr lang="en-NL"/>
           </a:p>
@@ -2563,7 +2568,7 @@
           <a:p>
             <a:fld id="{6339498C-427D-C242-847C-0FDAE520F637}" type="datetimeFigureOut">
               <a:rPr lang="en-NL" smtClean="0"/>
-              <a:t>02/10/2024</a:t>
+              <a:t>04/10/2024</a:t>
             </a:fld>
             <a:endParaRPr lang="en-NL"/>
           </a:p>
@@ -2996,8 +3001,8 @@
         </p:blipFill>
         <p:spPr>
           <a:xfrm>
-            <a:off x="1101691" y="422532"/>
-            <a:ext cx="594298" cy="688202"/>
+            <a:off x="981881" y="562563"/>
+            <a:ext cx="523234" cy="605909"/>
           </a:xfrm>
           <a:prstGeom prst="rect">
             <a:avLst/>
@@ -3032,8 +3037,8 @@
         </p:blipFill>
         <p:spPr>
           <a:xfrm>
-            <a:off x="234686" y="431026"/>
-            <a:ext cx="679708" cy="679708"/>
+            <a:off x="355656" y="570041"/>
+            <a:ext cx="598431" cy="598431"/>
           </a:xfrm>
           <a:prstGeom prst="rect">
             <a:avLst/>
@@ -3054,8 +3059,8 @@
         </p:nvSpPr>
         <p:spPr>
           <a:xfrm>
-            <a:off x="-13728" y="-64282"/>
-            <a:ext cx="1959191" cy="507831"/>
+            <a:off x="0" y="-64282"/>
+            <a:ext cx="1908175" cy="677108"/>
           </a:xfrm>
           <a:prstGeom prst="rect">
             <a:avLst/>
@@ -3063,7 +3068,7 @@
           <a:noFill/>
         </p:spPr>
         <p:txBody>
-          <a:bodyPr wrap="none" rtlCol="0">
+          <a:bodyPr wrap="square" rtlCol="0">
             <a:spAutoFit/>
           </a:bodyPr>
           <a:lstStyle/>
@@ -3078,11 +3083,18 @@
             <a:pPr algn="ctr"/>
             <a:r>
               <a:rPr lang="en-NL" sz="1100" dirty="0"/>
-              <a:t>Ask our </a:t>
-            </a:r>
-            <a:r>
-              <a:rPr lang="en-NL" sz="1100" b="1" dirty="0"/>
-              <a:t>AMR for R Assistant!</a:t>
+              <a:t>Click here to ask our</a:t>
+            </a:r>
+            <a:br>
+              <a:rPr lang="en-NL" sz="1100" dirty="0"/>
+            </a:br>
+            <a:r>
+              <a:rPr lang="en-NL" sz="1100" b="1" dirty="0">
+                <a:solidFill>
+                  <a:srgbClr val="128F76"/>
+                </a:solidFill>
+              </a:rPr>
+              <a:t>AMR for R Assistant</a:t>
             </a:r>
           </a:p>
         </p:txBody>
@@ -3101,8 +3113,8 @@
         </p:nvSpPr>
         <p:spPr>
           <a:xfrm>
-            <a:off x="-67427" y="1110734"/>
-            <a:ext cx="2066591" cy="184666"/>
+            <a:off x="0" y="1200982"/>
+            <a:ext cx="1908174" cy="92333"/>
           </a:xfrm>
           <a:prstGeom prst="rect">
             <a:avLst/>
@@ -3110,11 +3122,12 @@
           <a:noFill/>
         </p:spPr>
         <p:txBody>
-          <a:bodyPr wrap="none" rtlCol="0">
+          <a:bodyPr wrap="square" lIns="0" tIns="0" rIns="0" bIns="0" rtlCol="0">
             <a:spAutoFit/>
           </a:bodyPr>
           <a:lstStyle/>
           <a:p>
+            <a:pPr algn="ctr"/>
             <a:r>
               <a:rPr lang="en-GB" sz="600" dirty="0">
                 <a:solidFill>

--- a/data-raw/AMRforRGPT.pptx
+++ b/data-raw/AMRforRGPT.pptx
@@ -243,7 +243,7 @@
           <a:p>
             <a:fld id="{6339498C-427D-C242-847C-0FDAE520F637}" type="datetimeFigureOut">
               <a:rPr lang="en-NL" smtClean="0"/>
-              <a:t>04/10/2024</a:t>
+              <a:t>08/04/2025</a:t>
             </a:fld>
             <a:endParaRPr lang="en-NL"/>
           </a:p>
@@ -413,7 +413,7 @@
           <a:p>
             <a:fld id="{6339498C-427D-C242-847C-0FDAE520F637}" type="datetimeFigureOut">
               <a:rPr lang="en-NL" smtClean="0"/>
-              <a:t>04/10/2024</a:t>
+              <a:t>08/04/2025</a:t>
             </a:fld>
             <a:endParaRPr lang="en-NL"/>
           </a:p>
@@ -593,7 +593,7 @@
           <a:p>
             <a:fld id="{6339498C-427D-C242-847C-0FDAE520F637}" type="datetimeFigureOut">
               <a:rPr lang="en-NL" smtClean="0"/>
-              <a:t>04/10/2024</a:t>
+              <a:t>08/04/2025</a:t>
             </a:fld>
             <a:endParaRPr lang="en-NL"/>
           </a:p>
@@ -763,7 +763,7 @@
           <a:p>
             <a:fld id="{6339498C-427D-C242-847C-0FDAE520F637}" type="datetimeFigureOut">
               <a:rPr lang="en-NL" smtClean="0"/>
-              <a:t>04/10/2024</a:t>
+              <a:t>08/04/2025</a:t>
             </a:fld>
             <a:endParaRPr lang="en-NL"/>
           </a:p>
@@ -1009,7 +1009,7 @@
           <a:p>
             <a:fld id="{6339498C-427D-C242-847C-0FDAE520F637}" type="datetimeFigureOut">
               <a:rPr lang="en-NL" smtClean="0"/>
-              <a:t>04/10/2024</a:t>
+              <a:t>08/04/2025</a:t>
             </a:fld>
             <a:endParaRPr lang="en-NL"/>
           </a:p>
@@ -1241,7 +1241,7 @@
           <a:p>
             <a:fld id="{6339498C-427D-C242-847C-0FDAE520F637}" type="datetimeFigureOut">
               <a:rPr lang="en-NL" smtClean="0"/>
-              <a:t>04/10/2024</a:t>
+              <a:t>08/04/2025</a:t>
             </a:fld>
             <a:endParaRPr lang="en-NL"/>
           </a:p>
@@ -1608,7 +1608,7 @@
           <a:p>
             <a:fld id="{6339498C-427D-C242-847C-0FDAE520F637}" type="datetimeFigureOut">
               <a:rPr lang="en-NL" smtClean="0"/>
-              <a:t>04/10/2024</a:t>
+              <a:t>08/04/2025</a:t>
             </a:fld>
             <a:endParaRPr lang="en-NL"/>
           </a:p>
@@ -1726,7 +1726,7 @@
           <a:p>
             <a:fld id="{6339498C-427D-C242-847C-0FDAE520F637}" type="datetimeFigureOut">
               <a:rPr lang="en-NL" smtClean="0"/>
-              <a:t>04/10/2024</a:t>
+              <a:t>08/04/2025</a:t>
             </a:fld>
             <a:endParaRPr lang="en-NL"/>
           </a:p>
@@ -1821,7 +1821,7 @@
           <a:p>
             <a:fld id="{6339498C-427D-C242-847C-0FDAE520F637}" type="datetimeFigureOut">
               <a:rPr lang="en-NL" smtClean="0"/>
-              <a:t>04/10/2024</a:t>
+              <a:t>08/04/2025</a:t>
             </a:fld>
             <a:endParaRPr lang="en-NL"/>
           </a:p>
@@ -2098,7 +2098,7 @@
           <a:p>
             <a:fld id="{6339498C-427D-C242-847C-0FDAE520F637}" type="datetimeFigureOut">
               <a:rPr lang="en-NL" smtClean="0"/>
-              <a:t>04/10/2024</a:t>
+              <a:t>08/04/2025</a:t>
             </a:fld>
             <a:endParaRPr lang="en-NL"/>
           </a:p>
@@ -2355,7 +2355,7 @@
           <a:p>
             <a:fld id="{6339498C-427D-C242-847C-0FDAE520F637}" type="datetimeFigureOut">
               <a:rPr lang="en-NL" smtClean="0"/>
-              <a:t>04/10/2024</a:t>
+              <a:t>08/04/2025</a:t>
             </a:fld>
             <a:endParaRPr lang="en-NL"/>
           </a:p>
@@ -2568,7 +2568,7 @@
           <a:p>
             <a:fld id="{6339498C-427D-C242-847C-0FDAE520F637}" type="datetimeFigureOut">
               <a:rPr lang="en-NL" smtClean="0"/>
-              <a:t>04/10/2024</a:t>
+              <a:t>08/04/2025</a:t>
             </a:fld>
             <a:endParaRPr lang="en-NL"/>
           </a:p>
@@ -3129,12 +3129,28 @@
           <a:p>
             <a:pPr algn="ctr"/>
             <a:r>
+              <a:rPr lang="en-GB" sz="600" b="1" dirty="0" err="1">
+                <a:solidFill>
+                  <a:srgbClr val="128F76"/>
+                </a:solidFill>
+              </a:rPr>
+              <a:t>chat.</a:t>
+            </a:r>
+            <a:r>
+              <a:rPr lang="en-GB" sz="600" dirty="0" err="1">
+                <a:solidFill>
+                  <a:srgbClr val="128F76"/>
+                </a:solidFill>
+              </a:rPr>
+              <a:t>amr</a:t>
+            </a:r>
+            <a:r>
               <a:rPr lang="en-GB" sz="600" dirty="0">
                 <a:solidFill>
                   <a:srgbClr val="128F76"/>
                 </a:solidFill>
               </a:rPr>
-              <a:t>https://</a:t>
+              <a:t>-for-</a:t>
             </a:r>
             <a:r>
               <a:rPr lang="en-GB" sz="600" dirty="0" err="1">
@@ -3142,15 +3158,7 @@
                   <a:srgbClr val="128F76"/>
                 </a:solidFill>
               </a:rPr>
-              <a:t>chatgpt.com</a:t>
-            </a:r>
-            <a:r>
-              <a:rPr lang="en-GB" sz="600" dirty="0">
-                <a:solidFill>
-                  <a:srgbClr val="128F76"/>
-                </a:solidFill>
-              </a:rPr>
-              <a:t>/g/g-M4UNLwFi5-amr-for-r-assistant</a:t>
+              <a:t>r.org</a:t>
             </a:r>
             <a:endParaRPr lang="en-NL" sz="600" dirty="0">
               <a:solidFill>
